--- a/Presentation.pptx
+++ b/Presentation.pptx
@@ -5,7 +5,7 @@
     <p:sldMasterId id="2147483648" r:id="rId1"/>
   </p:sldMasterIdLst>
   <p:notesMasterIdLst>
-    <p:notesMasterId r:id="rId9"/>
+    <p:notesMasterId r:id="rId16"/>
   </p:notesMasterIdLst>
   <p:sldIdLst>
     <p:sldId id="256" r:id="rId2"/>
@@ -15,6 +15,13 @@
     <p:sldId id="260" r:id="rId6"/>
     <p:sldId id="261" r:id="rId7"/>
     <p:sldId id="262" r:id="rId8"/>
+    <p:sldId id="263" r:id="rId9"/>
+    <p:sldId id="264" r:id="rId10"/>
+    <p:sldId id="265" r:id="rId11"/>
+    <p:sldId id="266" r:id="rId12"/>
+    <p:sldId id="267" r:id="rId13"/>
+    <p:sldId id="268" r:id="rId14"/>
+    <p:sldId id="269" r:id="rId15"/>
   </p:sldIdLst>
   <p:sldSz cx="9144000" cy="6858000" type="screen4x3"/>
   <p:notesSz cx="6858000" cy="9144000"/>
@@ -198,7 +205,7 @@
           <a:p>
             <a:fld id="{37B01C35-02C5-43F9-BE87-6AD7AD4ECCED}" type="datetimeFigureOut">
               <a:rPr lang="en-US" smtClean="0"/>
-              <a:t>1/21/2022</a:t>
+              <a:t>1/22/2022</a:t>
             </a:fld>
             <a:endParaRPr lang="en-US"/>
           </a:p>
@@ -731,7 +738,7 @@
           <a:p>
             <a:fld id="{C9A73237-167A-46A7-A778-E191A5EADF8E}" type="datetimeFigureOut">
               <a:rPr lang="en-US" smtClean="0"/>
-              <a:t>1/21/2022</a:t>
+              <a:t>1/22/2022</a:t>
             </a:fld>
             <a:endParaRPr lang="en-US"/>
           </a:p>
@@ -901,7 +908,7 @@
           <a:p>
             <a:fld id="{C9A73237-167A-46A7-A778-E191A5EADF8E}" type="datetimeFigureOut">
               <a:rPr lang="en-US" smtClean="0"/>
-              <a:t>1/21/2022</a:t>
+              <a:t>1/22/2022</a:t>
             </a:fld>
             <a:endParaRPr lang="en-US"/>
           </a:p>
@@ -1081,7 +1088,7 @@
           <a:p>
             <a:fld id="{C9A73237-167A-46A7-A778-E191A5EADF8E}" type="datetimeFigureOut">
               <a:rPr lang="en-US" smtClean="0"/>
-              <a:t>1/21/2022</a:t>
+              <a:t>1/22/2022</a:t>
             </a:fld>
             <a:endParaRPr lang="en-US"/>
           </a:p>
@@ -1251,7 +1258,7 @@
           <a:p>
             <a:fld id="{C9A73237-167A-46A7-A778-E191A5EADF8E}" type="datetimeFigureOut">
               <a:rPr lang="en-US" smtClean="0"/>
-              <a:t>1/21/2022</a:t>
+              <a:t>1/22/2022</a:t>
             </a:fld>
             <a:endParaRPr lang="en-US"/>
           </a:p>
@@ -1497,7 +1504,7 @@
           <a:p>
             <a:fld id="{C9A73237-167A-46A7-A778-E191A5EADF8E}" type="datetimeFigureOut">
               <a:rPr lang="en-US" smtClean="0"/>
-              <a:t>1/21/2022</a:t>
+              <a:t>1/22/2022</a:t>
             </a:fld>
             <a:endParaRPr lang="en-US"/>
           </a:p>
@@ -1785,7 +1792,7 @@
           <a:p>
             <a:fld id="{C9A73237-167A-46A7-A778-E191A5EADF8E}" type="datetimeFigureOut">
               <a:rPr lang="en-US" smtClean="0"/>
-              <a:t>1/21/2022</a:t>
+              <a:t>1/22/2022</a:t>
             </a:fld>
             <a:endParaRPr lang="en-US"/>
           </a:p>
@@ -2207,7 +2214,7 @@
           <a:p>
             <a:fld id="{C9A73237-167A-46A7-A778-E191A5EADF8E}" type="datetimeFigureOut">
               <a:rPr lang="en-US" smtClean="0"/>
-              <a:t>1/21/2022</a:t>
+              <a:t>1/22/2022</a:t>
             </a:fld>
             <a:endParaRPr lang="en-US"/>
           </a:p>
@@ -2325,7 +2332,7 @@
           <a:p>
             <a:fld id="{C9A73237-167A-46A7-A778-E191A5EADF8E}" type="datetimeFigureOut">
               <a:rPr lang="en-US" smtClean="0"/>
-              <a:t>1/21/2022</a:t>
+              <a:t>1/22/2022</a:t>
             </a:fld>
             <a:endParaRPr lang="en-US"/>
           </a:p>
@@ -2420,7 +2427,7 @@
           <a:p>
             <a:fld id="{C9A73237-167A-46A7-A778-E191A5EADF8E}" type="datetimeFigureOut">
               <a:rPr lang="en-US" smtClean="0"/>
-              <a:t>1/21/2022</a:t>
+              <a:t>1/22/2022</a:t>
             </a:fld>
             <a:endParaRPr lang="en-US"/>
           </a:p>
@@ -2697,7 +2704,7 @@
           <a:p>
             <a:fld id="{C9A73237-167A-46A7-A778-E191A5EADF8E}" type="datetimeFigureOut">
               <a:rPr lang="en-US" smtClean="0"/>
-              <a:t>1/21/2022</a:t>
+              <a:t>1/22/2022</a:t>
             </a:fld>
             <a:endParaRPr lang="en-US"/>
           </a:p>
@@ -2950,7 +2957,7 @@
           <a:p>
             <a:fld id="{C9A73237-167A-46A7-A778-E191A5EADF8E}" type="datetimeFigureOut">
               <a:rPr lang="en-US" smtClean="0"/>
-              <a:t>1/21/2022</a:t>
+              <a:t>1/22/2022</a:t>
             </a:fld>
             <a:endParaRPr lang="en-US"/>
           </a:p>
@@ -3163,7 +3170,7 @@
           <a:p>
             <a:fld id="{C9A73237-167A-46A7-A778-E191A5EADF8E}" type="datetimeFigureOut">
               <a:rPr lang="en-US" smtClean="0"/>
-              <a:t>1/21/2022</a:t>
+              <a:t>1/22/2022</a:t>
             </a:fld>
             <a:endParaRPr lang="en-US"/>
           </a:p>
@@ -3611,6 +3618,539 @@
 </p:sld>
 </file>
 
+<file path=ppt/slides/slide10.xml><?xml version="1.0" encoding="utf-8"?>
+<p:sld xmlns:a="http://schemas.openxmlformats.org/drawingml/2006/main" xmlns:r="http://schemas.openxmlformats.org/officeDocument/2006/relationships" xmlns:p="http://schemas.openxmlformats.org/presentationml/2006/main">
+  <p:cSld>
+    <p:spTree>
+      <p:nvGrpSpPr>
+        <p:cNvPr id="1" name=""/>
+        <p:cNvGrpSpPr/>
+        <p:nvPr/>
+      </p:nvGrpSpPr>
+      <p:grpSpPr>
+        <a:xfrm>
+          <a:off x="0" y="0"/>
+          <a:ext cx="0" cy="0"/>
+          <a:chOff x="0" y="0"/>
+          <a:chExt cx="0" cy="0"/>
+        </a:xfrm>
+      </p:grpSpPr>
+      <p:sp>
+        <p:nvSpPr>
+          <p:cNvPr id="3" name="מציין מיקום תוכן 2"/>
+          <p:cNvSpPr>
+            <a:spLocks noGrp="1"/>
+          </p:cNvSpPr>
+          <p:nvPr>
+            <p:ph idx="1"/>
+          </p:nvPr>
+        </p:nvSpPr>
+        <p:spPr/>
+        <p:txBody>
+          <a:bodyPr/>
+          <a:lstStyle/>
+          <a:p>
+            <a:pPr marL="0" indent="0" algn="r" rtl="1">
+              <a:buNone/>
+            </a:pPr>
+            <a:r>
+              <a:rPr lang="he-IL" dirty="0" smtClean="0"/>
+              <a:t>נראה שיש קשר שמתקרב מאוד להיות קשר לינארי חיובי בין מספר המכירות המקסימלי לבין מספר הביקורות בסה"כ. </a:t>
+            </a:r>
+          </a:p>
+        </p:txBody>
+      </p:sp>
+    </p:spTree>
+    <p:extLst>
+      <p:ext uri="{BB962C8B-B14F-4D97-AF65-F5344CB8AC3E}">
+        <p14:creationId xmlns:p14="http://schemas.microsoft.com/office/powerpoint/2010/main" val="3715169099"/>
+      </p:ext>
+    </p:extLst>
+  </p:cSld>
+  <p:clrMapOvr>
+    <a:masterClrMapping/>
+  </p:clrMapOvr>
+</p:sld>
+</file>
+
+<file path=ppt/slides/slide11.xml><?xml version="1.0" encoding="utf-8"?>
+<p:sld xmlns:a="http://schemas.openxmlformats.org/drawingml/2006/main" xmlns:r="http://schemas.openxmlformats.org/officeDocument/2006/relationships" xmlns:p="http://schemas.openxmlformats.org/presentationml/2006/main">
+  <p:cSld>
+    <p:spTree>
+      <p:nvGrpSpPr>
+        <p:cNvPr id="1" name=""/>
+        <p:cNvGrpSpPr/>
+        <p:nvPr/>
+      </p:nvGrpSpPr>
+      <p:grpSpPr>
+        <a:xfrm>
+          <a:off x="0" y="0"/>
+          <a:ext cx="0" cy="0"/>
+          <a:chOff x="0" y="0"/>
+          <a:chExt cx="0" cy="0"/>
+        </a:xfrm>
+      </p:grpSpPr>
+      <p:sp>
+        <p:nvSpPr>
+          <p:cNvPr id="2" name="כותרת 1"/>
+          <p:cNvSpPr>
+            <a:spLocks noGrp="1"/>
+          </p:cNvSpPr>
+          <p:nvPr>
+            <p:ph type="title"/>
+          </p:nvPr>
+        </p:nvSpPr>
+        <p:spPr/>
+        <p:txBody>
+          <a:bodyPr/>
+          <a:lstStyle/>
+          <a:p>
+            <a:r>
+              <a:rPr lang="he-IL" dirty="0" smtClean="0"/>
+              <a:t>שימוש במודל רגרסיה ליניארית</a:t>
+            </a:r>
+            <a:endParaRPr lang="en-US" dirty="0"/>
+          </a:p>
+        </p:txBody>
+      </p:sp>
+      <p:pic>
+        <p:nvPicPr>
+          <p:cNvPr id="3074" name="Picture 2"/>
+          <p:cNvPicPr>
+            <a:picLocks noGrp="1" noChangeAspect="1" noChangeArrowheads="1"/>
+          </p:cNvPicPr>
+          <p:nvPr>
+            <p:ph idx="1"/>
+          </p:nvPr>
+        </p:nvPicPr>
+        <p:blipFill>
+          <a:blip r:embed="rId2">
+            <a:extLst>
+              <a:ext uri="{28A0092B-C50C-407E-A947-70E740481C1C}">
+                <a14:useLocalDpi xmlns:a14="http://schemas.microsoft.com/office/drawing/2010/main" val="0"/>
+              </a:ext>
+            </a:extLst>
+          </a:blip>
+          <a:srcRect/>
+          <a:stretch>
+            <a:fillRect/>
+          </a:stretch>
+        </p:blipFill>
+        <p:spPr bwMode="auto">
+          <a:xfrm>
+            <a:off x="755576" y="2636912"/>
+            <a:ext cx="7740654" cy="2016224"/>
+          </a:xfrm>
+          <a:prstGeom prst="rect">
+            <a:avLst/>
+          </a:prstGeom>
+          <a:noFill/>
+          <a:ln>
+            <a:noFill/>
+          </a:ln>
+          <a:effectLst/>
+          <a:extLst>
+            <a:ext uri="{909E8E84-426E-40DD-AFC4-6F175D3DCCD1}">
+              <a14:hiddenFill xmlns:a14="http://schemas.microsoft.com/office/drawing/2010/main">
+                <a:solidFill>
+                  <a:schemeClr val="accent1"/>
+                </a:solidFill>
+              </a14:hiddenFill>
+            </a:ext>
+            <a:ext uri="{91240B29-F687-4F45-9708-019B960494DF}">
+              <a14:hiddenLine xmlns:a14="http://schemas.microsoft.com/office/drawing/2010/main" w="9525">
+                <a:solidFill>
+                  <a:schemeClr val="tx1"/>
+                </a:solidFill>
+                <a:miter lim="800000"/>
+                <a:headEnd/>
+                <a:tailEnd/>
+              </a14:hiddenLine>
+            </a:ext>
+            <a:ext uri="{AF507438-7753-43E0-B8FC-AC1667EBCBE1}">
+              <a14:hiddenEffects xmlns:a14="http://schemas.microsoft.com/office/drawing/2010/main">
+                <a:effectLst>
+                  <a:outerShdw dist="35921" dir="2700000" algn="ctr" rotWithShape="0">
+                    <a:schemeClr val="bg2"/>
+                  </a:outerShdw>
+                </a:effectLst>
+              </a14:hiddenEffects>
+            </a:ext>
+          </a:extLst>
+        </p:spPr>
+      </p:pic>
+    </p:spTree>
+    <p:extLst>
+      <p:ext uri="{BB962C8B-B14F-4D97-AF65-F5344CB8AC3E}">
+        <p14:creationId xmlns:p14="http://schemas.microsoft.com/office/powerpoint/2010/main" val="2338459366"/>
+      </p:ext>
+    </p:extLst>
+  </p:cSld>
+  <p:clrMapOvr>
+    <a:masterClrMapping/>
+  </p:clrMapOvr>
+</p:sld>
+</file>
+
+<file path=ppt/slides/slide12.xml><?xml version="1.0" encoding="utf-8"?>
+<p:sld xmlns:a="http://schemas.openxmlformats.org/drawingml/2006/main" xmlns:r="http://schemas.openxmlformats.org/officeDocument/2006/relationships" xmlns:p="http://schemas.openxmlformats.org/presentationml/2006/main">
+  <p:cSld>
+    <p:spTree>
+      <p:nvGrpSpPr>
+        <p:cNvPr id="1" name=""/>
+        <p:cNvGrpSpPr/>
+        <p:nvPr/>
+      </p:nvGrpSpPr>
+      <p:grpSpPr>
+        <a:xfrm>
+          <a:off x="0" y="0"/>
+          <a:ext cx="0" cy="0"/>
+          <a:chOff x="0" y="0"/>
+          <a:chExt cx="0" cy="0"/>
+        </a:xfrm>
+      </p:grpSpPr>
+      <p:sp>
+        <p:nvSpPr>
+          <p:cNvPr id="2" name="כותרת 1"/>
+          <p:cNvSpPr>
+            <a:spLocks noGrp="1"/>
+          </p:cNvSpPr>
+          <p:nvPr>
+            <p:ph type="title"/>
+          </p:nvPr>
+        </p:nvSpPr>
+        <p:spPr/>
+        <p:txBody>
+          <a:bodyPr/>
+          <a:lstStyle/>
+          <a:p>
+            <a:r>
+              <a:rPr lang="he-IL" dirty="0" smtClean="0"/>
+              <a:t>מסקנה מהמודל </a:t>
+            </a:r>
+            <a:endParaRPr lang="en-US" dirty="0"/>
+          </a:p>
+        </p:txBody>
+      </p:sp>
+      <mc:AlternateContent xmlns:mc="http://schemas.openxmlformats.org/markup-compatibility/2006">
+        <mc:Choice xmlns:a14="http://schemas.microsoft.com/office/drawing/2010/main" Requires="a14">
+          <p:sp>
+            <p:nvSpPr>
+              <p:cNvPr id="3" name="מציין מיקום תוכן 2"/>
+              <p:cNvSpPr>
+                <a:spLocks noGrp="1"/>
+              </p:cNvSpPr>
+              <p:nvPr>
+                <p:ph idx="1"/>
+              </p:nvPr>
+            </p:nvSpPr>
+            <p:spPr/>
+            <p:txBody>
+              <a:bodyPr/>
+              <a:lstStyle/>
+              <a:p>
+                <a:pPr marL="0" indent="0" algn="r" rtl="1">
+                  <a:buNone/>
+                </a:pPr>
+                <a:r>
+                  <a:rPr lang="he-IL" dirty="0"/>
+                  <a:t>נוכל לראות שהציון של </a:t>
+                </a:r>
+                <a14:m>
+                  <m:oMath xmlns:m="http://schemas.openxmlformats.org/officeDocument/2006/math">
+                    <m:sSup>
+                      <m:sSupPr>
+                        <m:ctrlPr>
+                          <a:rPr lang="en-US" i="1">
+                            <a:latin typeface="Cambria Math"/>
+                          </a:rPr>
+                        </m:ctrlPr>
+                      </m:sSupPr>
+                      <m:e>
+                        <m:r>
+                          <a:rPr lang="en-US" i="1">
+                            <a:latin typeface="Cambria Math"/>
+                          </a:rPr>
+                          <m:t>𝑅</m:t>
+                        </m:r>
+                      </m:e>
+                      <m:sup>
+                        <m:r>
+                          <a:rPr lang="en-US" i="1">
+                            <a:latin typeface="Cambria Math"/>
+                          </a:rPr>
+                          <m:t>2</m:t>
+                        </m:r>
+                      </m:sup>
+                    </m:sSup>
+                  </m:oMath>
+                </a14:m>
+                <a:r>
+                  <a:rPr lang="he-IL" dirty="0"/>
+                  <a:t> הוא 75% כלומר קיבלנו 75% דיוק בחיזוי. </a:t>
+                </a:r>
+                <a:r>
+                  <a:rPr lang="he-IL" dirty="0"/>
+                  <a:t>האם נוכל לשפר את הדיוק אם נוסיף עוד משתנה למשוואת הרגרסיה </a:t>
+                </a:r>
+                <a:r>
+                  <a:rPr lang="he-IL" dirty="0" smtClean="0"/>
+                  <a:t>הליניארית?</a:t>
+                </a:r>
+                <a:endParaRPr lang="he-IL" dirty="0"/>
+              </a:p>
+              <a:p>
+                <a:pPr marL="0" indent="0" algn="r" rtl="1">
+                  <a:buNone/>
+                </a:pPr>
+                <a:endParaRPr lang="en-US" dirty="0"/>
+              </a:p>
+            </p:txBody>
+          </p:sp>
+        </mc:Choice>
+        <mc:Fallback>
+          <p:sp>
+            <p:nvSpPr>
+              <p:cNvPr id="3" name="מציין מיקום תוכן 2"/>
+              <p:cNvSpPr>
+                <a:spLocks noGrp="1" noRot="1" noChangeAspect="1" noMove="1" noResize="1" noEditPoints="1" noAdjustHandles="1" noChangeArrowheads="1" noChangeShapeType="1" noTextEdit="1"/>
+              </p:cNvSpPr>
+              <p:nvPr>
+                <p:ph idx="1"/>
+              </p:nvPr>
+            </p:nvSpPr>
+            <p:spPr>
+              <a:blipFill rotWithShape="1">
+                <a:blip r:embed="rId2"/>
+                <a:stretch>
+                  <a:fillRect t="-1752" r="-1926"/>
+                </a:stretch>
+              </a:blipFill>
+            </p:spPr>
+            <p:txBody>
+              <a:bodyPr/>
+              <a:lstStyle/>
+              <a:p>
+                <a:r>
+                  <a:rPr lang="en-US">
+                    <a:noFill/>
+                  </a:rPr>
+                  <a:t> </a:t>
+                </a:r>
+              </a:p>
+            </p:txBody>
+          </p:sp>
+        </mc:Fallback>
+      </mc:AlternateContent>
+    </p:spTree>
+    <p:extLst>
+      <p:ext uri="{BB962C8B-B14F-4D97-AF65-F5344CB8AC3E}">
+        <p14:creationId xmlns:p14="http://schemas.microsoft.com/office/powerpoint/2010/main" val="361492278"/>
+      </p:ext>
+    </p:extLst>
+  </p:cSld>
+  <p:clrMapOvr>
+    <a:masterClrMapping/>
+  </p:clrMapOvr>
+</p:sld>
+</file>
+
+<file path=ppt/slides/slide13.xml><?xml version="1.0" encoding="utf-8"?>
+<p:sld xmlns:a="http://schemas.openxmlformats.org/drawingml/2006/main" xmlns:r="http://schemas.openxmlformats.org/officeDocument/2006/relationships" xmlns:p="http://schemas.openxmlformats.org/presentationml/2006/main">
+  <p:cSld>
+    <p:spTree>
+      <p:nvGrpSpPr>
+        <p:cNvPr id="1" name=""/>
+        <p:cNvGrpSpPr/>
+        <p:nvPr/>
+      </p:nvGrpSpPr>
+      <p:grpSpPr>
+        <a:xfrm>
+          <a:off x="0" y="0"/>
+          <a:ext cx="0" cy="0"/>
+          <a:chOff x="0" y="0"/>
+          <a:chExt cx="0" cy="0"/>
+        </a:xfrm>
+      </p:grpSpPr>
+      <p:sp>
+        <p:nvSpPr>
+          <p:cNvPr id="2" name="כותרת 1"/>
+          <p:cNvSpPr>
+            <a:spLocks noGrp="1"/>
+          </p:cNvSpPr>
+          <p:nvPr>
+            <p:ph type="title"/>
+          </p:nvPr>
+        </p:nvSpPr>
+        <p:spPr/>
+        <p:txBody>
+          <a:bodyPr/>
+          <a:lstStyle/>
+          <a:p>
+            <a:r>
+              <a:rPr lang="he-IL" dirty="0" smtClean="0"/>
+              <a:t>הוספת משתנה נוסף למודל</a:t>
+            </a:r>
+            <a:endParaRPr lang="en-US" dirty="0"/>
+          </a:p>
+        </p:txBody>
+      </p:sp>
+      <p:pic>
+        <p:nvPicPr>
+          <p:cNvPr id="4098" name="Picture 2"/>
+          <p:cNvPicPr>
+            <a:picLocks noChangeAspect="1" noChangeArrowheads="1"/>
+          </p:cNvPicPr>
+          <p:nvPr/>
+        </p:nvPicPr>
+        <p:blipFill>
+          <a:blip r:embed="rId2">
+            <a:extLst>
+              <a:ext uri="{28A0092B-C50C-407E-A947-70E740481C1C}">
+                <a14:useLocalDpi xmlns:a14="http://schemas.microsoft.com/office/drawing/2010/main" val="0"/>
+              </a:ext>
+            </a:extLst>
+          </a:blip>
+          <a:srcRect/>
+          <a:stretch>
+            <a:fillRect/>
+          </a:stretch>
+        </p:blipFill>
+        <p:spPr bwMode="auto">
+          <a:xfrm>
+            <a:off x="539552" y="2348880"/>
+            <a:ext cx="8018396" cy="2510749"/>
+          </a:xfrm>
+          <a:prstGeom prst="rect">
+            <a:avLst/>
+          </a:prstGeom>
+          <a:noFill/>
+          <a:ln>
+            <a:noFill/>
+          </a:ln>
+          <a:effectLst/>
+          <a:extLst>
+            <a:ext uri="{909E8E84-426E-40DD-AFC4-6F175D3DCCD1}">
+              <a14:hiddenFill xmlns:a14="http://schemas.microsoft.com/office/drawing/2010/main">
+                <a:solidFill>
+                  <a:schemeClr val="accent1"/>
+                </a:solidFill>
+              </a14:hiddenFill>
+            </a:ext>
+            <a:ext uri="{91240B29-F687-4F45-9708-019B960494DF}">
+              <a14:hiddenLine xmlns:a14="http://schemas.microsoft.com/office/drawing/2010/main" w="9525">
+                <a:solidFill>
+                  <a:schemeClr val="tx1"/>
+                </a:solidFill>
+                <a:miter lim="800000"/>
+                <a:headEnd/>
+                <a:tailEnd/>
+              </a14:hiddenLine>
+            </a:ext>
+            <a:ext uri="{AF507438-7753-43E0-B8FC-AC1667EBCBE1}">
+              <a14:hiddenEffects xmlns:a14="http://schemas.microsoft.com/office/drawing/2010/main">
+                <a:effectLst>
+                  <a:outerShdw dist="35921" dir="2700000" algn="ctr" rotWithShape="0">
+                    <a:schemeClr val="bg2"/>
+                  </a:outerShdw>
+                </a:effectLst>
+              </a14:hiddenEffects>
+            </a:ext>
+          </a:extLst>
+        </p:spPr>
+      </p:pic>
+    </p:spTree>
+    <p:extLst>
+      <p:ext uri="{BB962C8B-B14F-4D97-AF65-F5344CB8AC3E}">
+        <p14:creationId xmlns:p14="http://schemas.microsoft.com/office/powerpoint/2010/main" val="2517918910"/>
+      </p:ext>
+    </p:extLst>
+  </p:cSld>
+  <p:clrMapOvr>
+    <a:masterClrMapping/>
+  </p:clrMapOvr>
+</p:sld>
+</file>
+
+<file path=ppt/slides/slide14.xml><?xml version="1.0" encoding="utf-8"?>
+<p:sld xmlns:a="http://schemas.openxmlformats.org/drawingml/2006/main" xmlns:r="http://schemas.openxmlformats.org/officeDocument/2006/relationships" xmlns:p="http://schemas.openxmlformats.org/presentationml/2006/main">
+  <p:cSld>
+    <p:spTree>
+      <p:nvGrpSpPr>
+        <p:cNvPr id="1" name=""/>
+        <p:cNvGrpSpPr/>
+        <p:nvPr/>
+      </p:nvGrpSpPr>
+      <p:grpSpPr>
+        <a:xfrm>
+          <a:off x="0" y="0"/>
+          <a:ext cx="0" cy="0"/>
+          <a:chOff x="0" y="0"/>
+          <a:chExt cx="0" cy="0"/>
+        </a:xfrm>
+      </p:grpSpPr>
+      <p:sp>
+        <p:nvSpPr>
+          <p:cNvPr id="2" name="כותרת 1"/>
+          <p:cNvSpPr>
+            <a:spLocks noGrp="1"/>
+          </p:cNvSpPr>
+          <p:nvPr>
+            <p:ph type="title"/>
+          </p:nvPr>
+        </p:nvSpPr>
+        <p:spPr/>
+        <p:txBody>
+          <a:bodyPr/>
+          <a:lstStyle/>
+          <a:p>
+            <a:r>
+              <a:rPr lang="he-IL" dirty="0" smtClean="0"/>
+              <a:t>מסקנה</a:t>
+            </a:r>
+            <a:endParaRPr lang="en-US" dirty="0"/>
+          </a:p>
+        </p:txBody>
+      </p:sp>
+      <p:sp>
+        <p:nvSpPr>
+          <p:cNvPr id="3" name="מציין מיקום תוכן 2"/>
+          <p:cNvSpPr>
+            <a:spLocks noGrp="1"/>
+          </p:cNvSpPr>
+          <p:nvPr>
+            <p:ph idx="1"/>
+          </p:nvPr>
+        </p:nvSpPr>
+        <p:spPr/>
+        <p:txBody>
+          <a:bodyPr/>
+          <a:lstStyle/>
+          <a:p>
+            <a:pPr marL="0" indent="0" algn="r" rtl="1">
+              <a:buNone/>
+            </a:pPr>
+            <a:r>
+              <a:rPr lang="he-IL" dirty="0" smtClean="0"/>
+              <a:t>נוכל לראות שכאשר מוסיפים את מספר המכירות המינימלי למשוואה נוכל לקבל דיוק יותר קבוע של 98%!</a:t>
+            </a:r>
+            <a:endParaRPr lang="he-IL" dirty="0"/>
+          </a:p>
+        </p:txBody>
+      </p:sp>
+    </p:spTree>
+    <p:extLst>
+      <p:ext uri="{BB962C8B-B14F-4D97-AF65-F5344CB8AC3E}">
+        <p14:creationId xmlns:p14="http://schemas.microsoft.com/office/powerpoint/2010/main" val="3725318250"/>
+      </p:ext>
+    </p:extLst>
+  </p:cSld>
+  <p:clrMapOvr>
+    <a:masterClrMapping/>
+  </p:clrMapOvr>
+</p:sld>
+</file>
+
 <file path=ppt/slides/slide2.xml><?xml version="1.0" encoding="utf-8"?>
 <p:sld xmlns:a="http://schemas.openxmlformats.org/drawingml/2006/main" xmlns:r="http://schemas.openxmlformats.org/officeDocument/2006/relationships" xmlns:p="http://schemas.openxmlformats.org/presentationml/2006/main">
   <p:cSld>
@@ -3792,11 +4332,7 @@
             </a:pPr>
             <a:r>
               <a:rPr lang="he-IL" dirty="0" smtClean="0"/>
-              <a:t>מטרת הפרויקט היא האם אפשר לחזות </a:t>
-            </a:r>
-            <a:r>
-              <a:rPr lang="he-IL" dirty="0" smtClean="0"/>
-              <a:t>את כמות המכירות של משחק בהינתן מספר מאפיינים שונים:</a:t>
+              <a:t>מטרת הפרויקט היא האם אפשר לחזות את כמות המכירות של משחק בהינתן מספר מאפיינים שונים:</a:t>
             </a:r>
             <a:r>
               <a:rPr lang="en-US" dirty="0" smtClean="0"/>
@@ -4384,33 +4920,415 @@
           <a:bodyPr/>
           <a:lstStyle/>
           <a:p>
-            <a:endParaRPr lang="en-US"/>
-          </a:p>
-        </p:txBody>
-      </p:sp>
-      <p:sp>
-        <p:nvSpPr>
-          <p:cNvPr id="3" name="מציין מיקום תוכן 2"/>
-          <p:cNvSpPr>
-            <a:spLocks noGrp="1"/>
-          </p:cNvSpPr>
-          <p:nvPr>
-            <p:ph idx="1"/>
-          </p:nvPr>
-        </p:nvSpPr>
-        <p:spPr/>
-        <p:txBody>
-          <a:bodyPr/>
-          <a:lstStyle/>
-          <a:p>
-            <a:endParaRPr lang="en-US"/>
-          </a:p>
-        </p:txBody>
-      </p:sp>
+            <a:r>
+              <a:rPr lang="en-US" dirty="0" smtClean="0"/>
+              <a:t> Th</a:t>
+            </a:r>
+            <a:r>
+              <a:rPr lang="en-US" dirty="0" smtClean="0"/>
+              <a:t>e </a:t>
+            </a:r>
+            <a:r>
+              <a:rPr lang="en-US" dirty="0" smtClean="0"/>
+              <a:t>Dataset</a:t>
+            </a:r>
+            <a:endParaRPr lang="en-US" dirty="0"/>
+          </a:p>
+        </p:txBody>
+      </p:sp>
+      <p:pic>
+        <p:nvPicPr>
+          <p:cNvPr id="1026" name="Picture 2"/>
+          <p:cNvPicPr>
+            <a:picLocks noChangeAspect="1" noChangeArrowheads="1"/>
+          </p:cNvPicPr>
+          <p:nvPr/>
+        </p:nvPicPr>
+        <p:blipFill>
+          <a:blip r:embed="rId2">
+            <a:extLst>
+              <a:ext uri="{28A0092B-C50C-407E-A947-70E740481C1C}">
+                <a14:useLocalDpi xmlns:a14="http://schemas.microsoft.com/office/drawing/2010/main" val="0"/>
+              </a:ext>
+            </a:extLst>
+          </a:blip>
+          <a:srcRect/>
+          <a:stretch>
+            <a:fillRect/>
+          </a:stretch>
+        </p:blipFill>
+        <p:spPr bwMode="auto">
+          <a:xfrm>
+            <a:off x="539552" y="2492896"/>
+            <a:ext cx="8111133" cy="2430016"/>
+          </a:xfrm>
+          <a:prstGeom prst="rect">
+            <a:avLst/>
+          </a:prstGeom>
+          <a:noFill/>
+          <a:ln>
+            <a:noFill/>
+          </a:ln>
+          <a:effectLst/>
+          <a:extLst>
+            <a:ext uri="{909E8E84-426E-40DD-AFC4-6F175D3DCCD1}">
+              <a14:hiddenFill xmlns:a14="http://schemas.microsoft.com/office/drawing/2010/main">
+                <a:solidFill>
+                  <a:schemeClr val="accent1"/>
+                </a:solidFill>
+              </a14:hiddenFill>
+            </a:ext>
+            <a:ext uri="{91240B29-F687-4F45-9708-019B960494DF}">
+              <a14:hiddenLine xmlns:a14="http://schemas.microsoft.com/office/drawing/2010/main" w="9525">
+                <a:solidFill>
+                  <a:schemeClr val="tx1"/>
+                </a:solidFill>
+                <a:miter lim="800000"/>
+                <a:headEnd/>
+                <a:tailEnd/>
+              </a14:hiddenLine>
+            </a:ext>
+            <a:ext uri="{AF507438-7753-43E0-B8FC-AC1667EBCBE1}">
+              <a14:hiddenEffects xmlns:a14="http://schemas.microsoft.com/office/drawing/2010/main">
+                <a:effectLst>
+                  <a:outerShdw dist="35921" dir="2700000" algn="ctr" rotWithShape="0">
+                    <a:schemeClr val="bg2"/>
+                  </a:outerShdw>
+                </a:effectLst>
+              </a14:hiddenEffects>
+            </a:ext>
+          </a:extLst>
+        </p:spPr>
+      </p:pic>
     </p:spTree>
     <p:extLst>
       <p:ext uri="{BB962C8B-B14F-4D97-AF65-F5344CB8AC3E}">
         <p14:creationId xmlns:p14="http://schemas.microsoft.com/office/powerpoint/2010/main" val="2275405985"/>
+      </p:ext>
+    </p:extLst>
+  </p:cSld>
+  <p:clrMapOvr>
+    <a:masterClrMapping/>
+  </p:clrMapOvr>
+</p:sld>
+</file>
+
+<file path=ppt/slides/slide8.xml><?xml version="1.0" encoding="utf-8"?>
+<p:sld xmlns:a="http://schemas.openxmlformats.org/drawingml/2006/main" xmlns:r="http://schemas.openxmlformats.org/officeDocument/2006/relationships" xmlns:p="http://schemas.openxmlformats.org/presentationml/2006/main">
+  <p:cSld>
+    <p:spTree>
+      <p:nvGrpSpPr>
+        <p:cNvPr id="1" name=""/>
+        <p:cNvGrpSpPr/>
+        <p:nvPr/>
+      </p:nvGrpSpPr>
+      <p:grpSpPr>
+        <a:xfrm>
+          <a:off x="0" y="0"/>
+          <a:ext cx="0" cy="0"/>
+          <a:chOff x="0" y="0"/>
+          <a:chExt cx="0" cy="0"/>
+        </a:xfrm>
+      </p:grpSpPr>
+      <p:sp>
+        <p:nvSpPr>
+          <p:cNvPr id="2" name="כותרת 1"/>
+          <p:cNvSpPr>
+            <a:spLocks noGrp="1"/>
+          </p:cNvSpPr>
+          <p:nvPr>
+            <p:ph type="title"/>
+          </p:nvPr>
+        </p:nvSpPr>
+        <p:spPr/>
+        <p:txBody>
+          <a:bodyPr/>
+          <a:lstStyle/>
+          <a:p>
+            <a:r>
+              <a:rPr lang="he-IL" dirty="0" smtClean="0"/>
+              <a:t>הסבר על העמודות</a:t>
+            </a:r>
+            <a:endParaRPr lang="en-US" dirty="0"/>
+          </a:p>
+        </p:txBody>
+      </p:sp>
+      <p:sp>
+        <p:nvSpPr>
+          <p:cNvPr id="3" name="מציין מיקום תוכן 2"/>
+          <p:cNvSpPr>
+            <a:spLocks noGrp="1"/>
+          </p:cNvSpPr>
+          <p:nvPr>
+            <p:ph idx="1"/>
+          </p:nvPr>
+        </p:nvSpPr>
+        <p:spPr/>
+        <p:txBody>
+          <a:bodyPr>
+            <a:normAutofit/>
+          </a:bodyPr>
+          <a:lstStyle/>
+          <a:p>
+            <a:pPr algn="r" rtl="1"/>
+            <a:r>
+              <a:rPr lang="en-US" sz="2400" dirty="0" smtClean="0"/>
+              <a:t>Game Name</a:t>
+            </a:r>
+            <a:r>
+              <a:rPr lang="he-IL" sz="2400" dirty="0"/>
+              <a:t> </a:t>
+            </a:r>
+            <a:r>
+              <a:rPr lang="he-IL" sz="2400" dirty="0" smtClean="0"/>
+              <a:t>– שם המשחק</a:t>
+            </a:r>
+          </a:p>
+          <a:p>
+            <a:pPr algn="r" rtl="1"/>
+            <a:r>
+              <a:rPr lang="en-US" sz="2400" dirty="0" smtClean="0"/>
+              <a:t>Developer</a:t>
+            </a:r>
+            <a:r>
+              <a:rPr lang="he-IL" sz="2400" dirty="0"/>
+              <a:t> </a:t>
+            </a:r>
+            <a:r>
+              <a:rPr lang="he-IL" sz="2400" dirty="0" smtClean="0"/>
+              <a:t>– המפתחת</a:t>
+            </a:r>
+          </a:p>
+          <a:p>
+            <a:pPr algn="r" rtl="1"/>
+            <a:r>
+              <a:rPr lang="en-US" sz="2400" dirty="0" smtClean="0"/>
+              <a:t>Release Year</a:t>
+            </a:r>
+            <a:r>
+              <a:rPr lang="he-IL" sz="2400" dirty="0"/>
+              <a:t> </a:t>
+            </a:r>
+            <a:r>
+              <a:rPr lang="he-IL" sz="2400" dirty="0" smtClean="0"/>
+              <a:t>– שנת יציאה</a:t>
+            </a:r>
+          </a:p>
+          <a:p>
+            <a:pPr algn="r" rtl="1"/>
+            <a:r>
+              <a:rPr lang="en-US" sz="2400" dirty="0" smtClean="0"/>
+              <a:t>Price</a:t>
+            </a:r>
+            <a:r>
+              <a:rPr lang="he-IL" sz="2400" dirty="0" smtClean="0"/>
+              <a:t> – מחיר</a:t>
+            </a:r>
+          </a:p>
+          <a:p>
+            <a:pPr algn="r" rtl="1"/>
+            <a:r>
+              <a:rPr lang="en-US" sz="2400" dirty="0" smtClean="0"/>
+              <a:t>Genres</a:t>
+            </a:r>
+            <a:r>
+              <a:rPr lang="he-IL" sz="2400" dirty="0" smtClean="0"/>
+              <a:t> – ז'אנרים</a:t>
+            </a:r>
+          </a:p>
+          <a:p>
+            <a:pPr algn="r" rtl="1"/>
+            <a:r>
+              <a:rPr lang="en-US" sz="2400" dirty="0" smtClean="0"/>
+              <a:t>Review %</a:t>
+            </a:r>
+            <a:r>
+              <a:rPr lang="he-IL" sz="2400" dirty="0" smtClean="0"/>
+              <a:t> - כמה אחוזים מהביקורות הם חיוביות</a:t>
+            </a:r>
+          </a:p>
+          <a:p>
+            <a:pPr algn="r" rtl="1"/>
+            <a:r>
+              <a:rPr lang="en-US" sz="2400" dirty="0" smtClean="0"/>
+              <a:t>Max Reviewers</a:t>
+            </a:r>
+            <a:r>
+              <a:rPr lang="he-IL" sz="2400" dirty="0" smtClean="0"/>
+              <a:t> – מספר הביקורות בסה"כ</a:t>
+            </a:r>
+          </a:p>
+          <a:p>
+            <a:pPr algn="r" rtl="1"/>
+            <a:r>
+              <a:rPr lang="en-US" sz="2400" dirty="0" smtClean="0"/>
+              <a:t>Minimum Owners</a:t>
+            </a:r>
+            <a:r>
+              <a:rPr lang="he-IL" sz="2400" dirty="0" smtClean="0"/>
+              <a:t>  - מספר המכירות המינימלי</a:t>
+            </a:r>
+          </a:p>
+          <a:p>
+            <a:pPr algn="r" rtl="1"/>
+            <a:r>
+              <a:rPr lang="en-US" sz="2400" dirty="0" smtClean="0"/>
+              <a:t>Maximum Owners</a:t>
+            </a:r>
+            <a:r>
+              <a:rPr lang="he-IL" sz="2400" dirty="0" smtClean="0"/>
+              <a:t> – מספר המכירות המקסימלי</a:t>
+            </a:r>
+          </a:p>
+          <a:p>
+            <a:pPr algn="r" rtl="1"/>
+            <a:endParaRPr lang="he-IL" sz="2400" dirty="0" smtClean="0"/>
+          </a:p>
+          <a:p>
+            <a:pPr algn="r" rtl="1"/>
+            <a:endParaRPr lang="he-IL" sz="2800" dirty="0" smtClean="0"/>
+          </a:p>
+          <a:p>
+            <a:pPr algn="r" rtl="1"/>
+            <a:endParaRPr lang="he-IL" sz="2800" dirty="0" smtClean="0"/>
+          </a:p>
+          <a:p>
+            <a:pPr algn="r" rtl="1"/>
+            <a:endParaRPr lang="he-IL" sz="2800" dirty="0" smtClean="0"/>
+          </a:p>
+          <a:p>
+            <a:pPr algn="r" rtl="1"/>
+            <a:endParaRPr lang="he-IL" sz="2800" dirty="0" smtClean="0"/>
+          </a:p>
+          <a:p>
+            <a:pPr algn="r" rtl="1"/>
+            <a:endParaRPr lang="en-US" sz="2800" dirty="0"/>
+          </a:p>
+        </p:txBody>
+      </p:sp>
+    </p:spTree>
+    <p:extLst>
+      <p:ext uri="{BB962C8B-B14F-4D97-AF65-F5344CB8AC3E}">
+        <p14:creationId xmlns:p14="http://schemas.microsoft.com/office/powerpoint/2010/main" val="3587325722"/>
+      </p:ext>
+    </p:extLst>
+  </p:cSld>
+  <p:clrMapOvr>
+    <a:masterClrMapping/>
+  </p:clrMapOvr>
+</p:sld>
+</file>
+
+<file path=ppt/slides/slide9.xml><?xml version="1.0" encoding="utf-8"?>
+<p:sld xmlns:a="http://schemas.openxmlformats.org/drawingml/2006/main" xmlns:r="http://schemas.openxmlformats.org/officeDocument/2006/relationships" xmlns:p="http://schemas.openxmlformats.org/presentationml/2006/main">
+  <p:cSld>
+    <p:spTree>
+      <p:nvGrpSpPr>
+        <p:cNvPr id="1" name=""/>
+        <p:cNvGrpSpPr/>
+        <p:nvPr/>
+      </p:nvGrpSpPr>
+      <p:grpSpPr>
+        <a:xfrm>
+          <a:off x="0" y="0"/>
+          <a:ext cx="0" cy="0"/>
+          <a:chOff x="0" y="0"/>
+          <a:chExt cx="0" cy="0"/>
+        </a:xfrm>
+      </p:grpSpPr>
+      <p:sp>
+        <p:nvSpPr>
+          <p:cNvPr id="2" name="כותרת 1"/>
+          <p:cNvSpPr>
+            <a:spLocks noGrp="1"/>
+          </p:cNvSpPr>
+          <p:nvPr>
+            <p:ph type="title"/>
+          </p:nvPr>
+        </p:nvSpPr>
+        <p:spPr/>
+        <p:txBody>
+          <a:bodyPr>
+            <a:normAutofit/>
+          </a:bodyPr>
+          <a:lstStyle/>
+          <a:p>
+            <a:r>
+              <a:rPr lang="en-US" dirty="0" smtClean="0"/>
+              <a:t>Visualization</a:t>
+            </a:r>
+            <a:endParaRPr lang="en-US" dirty="0"/>
+          </a:p>
+        </p:txBody>
+      </p:sp>
+      <p:pic>
+        <p:nvPicPr>
+          <p:cNvPr id="2050" name="Picture 2"/>
+          <p:cNvPicPr>
+            <a:picLocks noChangeAspect="1" noChangeArrowheads="1"/>
+          </p:cNvPicPr>
+          <p:nvPr/>
+        </p:nvPicPr>
+        <p:blipFill>
+          <a:blip r:embed="rId2">
+            <a:extLst>
+              <a:ext uri="{28A0092B-C50C-407E-A947-70E740481C1C}">
+                <a14:useLocalDpi xmlns:a14="http://schemas.microsoft.com/office/drawing/2010/main" val="0"/>
+              </a:ext>
+            </a:extLst>
+          </a:blip>
+          <a:srcRect/>
+          <a:stretch>
+            <a:fillRect/>
+          </a:stretch>
+        </p:blipFill>
+        <p:spPr bwMode="auto">
+          <a:xfrm>
+            <a:off x="2757488" y="2071688"/>
+            <a:ext cx="3629025" cy="2714625"/>
+          </a:xfrm>
+          <a:prstGeom prst="rect">
+            <a:avLst/>
+          </a:prstGeom>
+          <a:noFill/>
+          <a:ln>
+            <a:noFill/>
+          </a:ln>
+          <a:effectLst/>
+          <a:extLst>
+            <a:ext uri="{909E8E84-426E-40DD-AFC4-6F175D3DCCD1}">
+              <a14:hiddenFill xmlns:a14="http://schemas.microsoft.com/office/drawing/2010/main">
+                <a:solidFill>
+                  <a:schemeClr val="accent1"/>
+                </a:solidFill>
+              </a14:hiddenFill>
+            </a:ext>
+            <a:ext uri="{91240B29-F687-4F45-9708-019B960494DF}">
+              <a14:hiddenLine xmlns:a14="http://schemas.microsoft.com/office/drawing/2010/main" w="9525">
+                <a:solidFill>
+                  <a:schemeClr val="tx1"/>
+                </a:solidFill>
+                <a:miter lim="800000"/>
+                <a:headEnd/>
+                <a:tailEnd/>
+              </a14:hiddenLine>
+            </a:ext>
+            <a:ext uri="{AF507438-7753-43E0-B8FC-AC1667EBCBE1}">
+              <a14:hiddenEffects xmlns:a14="http://schemas.microsoft.com/office/drawing/2010/main">
+                <a:effectLst>
+                  <a:outerShdw dist="35921" dir="2700000" algn="ctr" rotWithShape="0">
+                    <a:schemeClr val="bg2"/>
+                  </a:outerShdw>
+                </a:effectLst>
+              </a14:hiddenEffects>
+            </a:ext>
+          </a:extLst>
+        </p:spPr>
+      </p:pic>
+    </p:spTree>
+    <p:extLst>
+      <p:ext uri="{BB962C8B-B14F-4D97-AF65-F5344CB8AC3E}">
+        <p14:creationId xmlns:p14="http://schemas.microsoft.com/office/powerpoint/2010/main" val="3324906891"/>
       </p:ext>
     </p:extLst>
   </p:cSld>
